--- a/pptx_res/Сложные геометрические формы.pptx
+++ b/pptx_res/Сложные геометрические формы.pptx
@@ -2,7 +2,7 @@
 <file path=ppt/presentation.xml><?xml version="1.0" encoding="utf-8"?>
 <p:presentation xmlns:a="http://schemas.openxmlformats.org/drawingml/2006/main" xmlns:r="http://schemas.openxmlformats.org/officeDocument/2006/relationships" xmlns:p="http://schemas.openxmlformats.org/presentationml/2006/main" showSpecialPlsOnTitleSld="0" saveSubsetFonts="1">
   <p:sldMasterIdLst>
-    <p:sldMasterId id="2147483673" r:id="rId1"/>
+    <p:sldMasterId id="2147483686" r:id="rId1"/>
   </p:sldMasterIdLst>
   <p:notesMasterIdLst>
     <p:notesMasterId r:id="rId16"/>
@@ -210,7 +210,7 @@
           <a:p>
             <a:fld id="{028605EF-EFC6-4E74-BE78-9493D11868DA}" type="datetimeFigureOut">
               <a:rPr lang="ru-RU" smtClean="0"/>
-              <a:t>01.06.2017</a:t>
+              <a:t>21.07.2017</a:t>
             </a:fld>
             <a:endParaRPr lang="ru-RU"/>
           </a:p>
@@ -495,30 +495,6 @@
           <a:chExt cx="0" cy="0"/>
         </a:xfrm>
       </p:grpSpPr>
-      <p:pic>
-        <p:nvPicPr>
-          <p:cNvPr id="11" name="Рисунок 10"/>
-          <p:cNvPicPr>
-            <a:picLocks noChangeAspect="1"/>
-          </p:cNvPicPr>
-          <p:nvPr/>
-        </p:nvPicPr>
-        <p:blipFill>
-          <a:blip r:embed="rId2"/>
-          <a:stretch>
-            <a:fillRect/>
-          </a:stretch>
-        </p:blipFill>
-        <p:spPr>
-          <a:xfrm>
-            <a:off x="8639175" y="142875"/>
-            <a:ext cx="3413506" cy="3390900"/>
-          </a:xfrm>
-          <a:prstGeom prst="rect">
-            <a:avLst/>
-          </a:prstGeom>
-        </p:spPr>
-      </p:pic>
       <p:sp>
         <p:nvSpPr>
           <p:cNvPr id="7" name="Rectangle 6"/>
@@ -728,7 +704,7 @@
           <a:p>
             <a:fld id="{D355B9C2-66C6-4C35-9791-F1C7A7A50141}" type="datetime1">
               <a:rPr lang="ru-RU" smtClean="0"/>
-              <a:t>01.06.2017</a:t>
+              <a:t>21.07.2017</a:t>
             </a:fld>
             <a:endParaRPr lang="ru-RU"/>
           </a:p>
@@ -818,10 +794,40 @@
           </a:fontRef>
         </p:style>
       </p:cxnSp>
+      <p:pic>
+        <p:nvPicPr>
+          <p:cNvPr id="16" name="Рисунок 15"/>
+          <p:cNvPicPr>
+            <a:picLocks noChangeAspect="1"/>
+          </p:cNvPicPr>
+          <p:nvPr/>
+        </p:nvPicPr>
+        <p:blipFill>
+          <a:blip r:embed="rId2" cstate="print">
+            <a:extLst>
+              <a:ext uri="{28A0092B-C50C-407E-A947-70E740481C1C}">
+                <a14:useLocalDpi xmlns:a14="http://schemas.microsoft.com/office/drawing/2010/main" val="0"/>
+              </a:ext>
+            </a:extLst>
+          </a:blip>
+          <a:stretch>
+            <a:fillRect/>
+          </a:stretch>
+        </p:blipFill>
+        <p:spPr>
+          <a:xfrm>
+            <a:off x="8659123" y="123842"/>
+            <a:ext cx="3529720" cy="3596084"/>
+          </a:xfrm>
+          <a:prstGeom prst="rect">
+            <a:avLst/>
+          </a:prstGeom>
+        </p:spPr>
+      </p:pic>
     </p:spTree>
     <p:extLst>
       <p:ext uri="{BB962C8B-B14F-4D97-AF65-F5344CB8AC3E}">
-        <p14:creationId xmlns:p14="http://schemas.microsoft.com/office/powerpoint/2010/main" val="1169226263"/>
+        <p14:creationId xmlns:p14="http://schemas.microsoft.com/office/powerpoint/2010/main" val="2128303725"/>
       </p:ext>
     </p:extLst>
   </p:cSld>
@@ -940,7 +946,7 @@
           <a:p>
             <a:fld id="{EDB0612D-9CFB-4A0E-B2A8-04D0288B2232}" type="datetime1">
               <a:rPr lang="ru-RU" smtClean="0"/>
-              <a:t>01.06.2017</a:t>
+              <a:t>21.07.2017</a:t>
             </a:fld>
             <a:endParaRPr lang="ru-RU"/>
           </a:p>
@@ -995,7 +1001,7 @@
     </p:spTree>
     <p:extLst>
       <p:ext uri="{BB962C8B-B14F-4D97-AF65-F5344CB8AC3E}">
-        <p14:creationId xmlns:p14="http://schemas.microsoft.com/office/powerpoint/2010/main" val="2224107813"/>
+        <p14:creationId xmlns:p14="http://schemas.microsoft.com/office/powerpoint/2010/main" val="392966315"/>
       </p:ext>
     </p:extLst>
   </p:cSld>
@@ -1200,7 +1206,7 @@
           <a:p>
             <a:fld id="{C363A846-6132-4C66-95C2-AD429EBEA8CC}" type="datetime1">
               <a:rPr lang="ru-RU" smtClean="0"/>
-              <a:t>01.06.2017</a:t>
+              <a:t>21.07.2017</a:t>
             </a:fld>
             <a:endParaRPr lang="ru-RU"/>
           </a:p>
@@ -1255,7 +1261,7 @@
     </p:spTree>
     <p:extLst>
       <p:ext uri="{BB962C8B-B14F-4D97-AF65-F5344CB8AC3E}">
-        <p14:creationId xmlns:p14="http://schemas.microsoft.com/office/powerpoint/2010/main" val="3360408214"/>
+        <p14:creationId xmlns:p14="http://schemas.microsoft.com/office/powerpoint/2010/main" val="399215624"/>
       </p:ext>
     </p:extLst>
   </p:cSld>
@@ -1389,7 +1395,7 @@
     </p:spTree>
     <p:extLst>
       <p:ext uri="{BB962C8B-B14F-4D97-AF65-F5344CB8AC3E}">
-        <p14:creationId xmlns:p14="http://schemas.microsoft.com/office/powerpoint/2010/main" val="1394251821"/>
+        <p14:creationId xmlns:p14="http://schemas.microsoft.com/office/powerpoint/2010/main" val="2472444544"/>
       </p:ext>
     </p:extLst>
   </p:cSld>
@@ -1508,7 +1514,7 @@
           <a:p>
             <a:fld id="{36369EC5-0CB0-4A39-BF42-ED20E59CCC4C}" type="datetime1">
               <a:rPr lang="ru-RU" smtClean="0"/>
-              <a:t>01.06.2017</a:t>
+              <a:t>21.07.2017</a:t>
             </a:fld>
             <a:endParaRPr lang="ru-RU"/>
           </a:p>
@@ -1593,7 +1599,7 @@
     </p:spTree>
     <p:extLst>
       <p:ext uri="{BB962C8B-B14F-4D97-AF65-F5344CB8AC3E}">
-        <p14:creationId xmlns:p14="http://schemas.microsoft.com/office/powerpoint/2010/main" val="3587505104"/>
+        <p14:creationId xmlns:p14="http://schemas.microsoft.com/office/powerpoint/2010/main" val="2063316841"/>
       </p:ext>
     </p:extLst>
   </p:cSld>
@@ -1885,7 +1891,7 @@
           <a:p>
             <a:fld id="{C3C2E64D-1857-4E59-A56A-3D2711F83330}" type="datetime1">
               <a:rPr lang="ru-RU" smtClean="0"/>
-              <a:t>01.06.2017</a:t>
+              <a:t>21.07.2017</a:t>
             </a:fld>
             <a:endParaRPr lang="ru-RU"/>
           </a:p>
@@ -1978,7 +1984,7 @@
     </p:spTree>
     <p:extLst>
       <p:ext uri="{BB962C8B-B14F-4D97-AF65-F5344CB8AC3E}">
-        <p14:creationId xmlns:p14="http://schemas.microsoft.com/office/powerpoint/2010/main" val="3088567581"/>
+        <p14:creationId xmlns:p14="http://schemas.microsoft.com/office/powerpoint/2010/main" val="3922549936"/>
       </p:ext>
     </p:extLst>
   </p:cSld>
@@ -2164,7 +2170,7 @@
           <a:p>
             <a:fld id="{8F060278-646D-4884-A279-094E077CC715}" type="datetime1">
               <a:rPr lang="ru-RU" smtClean="0"/>
-              <a:t>01.06.2017</a:t>
+              <a:t>21.07.2017</a:t>
             </a:fld>
             <a:endParaRPr lang="ru-RU"/>
           </a:p>
@@ -2219,7 +2225,7 @@
     </p:spTree>
     <p:extLst>
       <p:ext uri="{BB962C8B-B14F-4D97-AF65-F5344CB8AC3E}">
-        <p14:creationId xmlns:p14="http://schemas.microsoft.com/office/powerpoint/2010/main" val="1583249817"/>
+        <p14:creationId xmlns:p14="http://schemas.microsoft.com/office/powerpoint/2010/main" val="654304158"/>
       </p:ext>
     </p:extLst>
   </p:cSld>
@@ -2547,7 +2553,7 @@
           <a:p>
             <a:fld id="{6C7D69A6-0AF5-4797-BFD5-C975C7B85E29}" type="datetime1">
               <a:rPr lang="ru-RU" smtClean="0"/>
-              <a:t>01.06.2017</a:t>
+              <a:t>21.07.2017</a:t>
             </a:fld>
             <a:endParaRPr lang="ru-RU"/>
           </a:p>
@@ -2602,7 +2608,7 @@
     </p:spTree>
     <p:extLst>
       <p:ext uri="{BB962C8B-B14F-4D97-AF65-F5344CB8AC3E}">
-        <p14:creationId xmlns:p14="http://schemas.microsoft.com/office/powerpoint/2010/main" val="79156914"/>
+        <p14:creationId xmlns:p14="http://schemas.microsoft.com/office/powerpoint/2010/main" val="1253472260"/>
       </p:ext>
     </p:extLst>
   </p:cSld>
@@ -2629,32 +2635,6 @@
           <a:chExt cx="0" cy="0"/>
         </a:xfrm>
       </p:grpSpPr>
-      <p:pic>
-        <p:nvPicPr>
-          <p:cNvPr id="6" name="Рисунок 5"/>
-          <p:cNvPicPr>
-            <a:picLocks noChangeAspect="1"/>
-          </p:cNvPicPr>
-          <p:nvPr/>
-        </p:nvPicPr>
-        <p:blipFill>
-          <a:blip r:embed="rId2">
-            <a:lum bright="70000" contrast="-70000"/>
-          </a:blip>
-          <a:stretch>
-            <a:fillRect/>
-          </a:stretch>
-        </p:blipFill>
-        <p:spPr>
-          <a:xfrm>
-            <a:off x="8639175" y="142875"/>
-            <a:ext cx="3413506" cy="3390900"/>
-          </a:xfrm>
-          <a:prstGeom prst="rect">
-            <a:avLst/>
-          </a:prstGeom>
-        </p:spPr>
-      </p:pic>
       <p:sp>
         <p:nvSpPr>
           <p:cNvPr id="2" name="Title 1"/>
@@ -2695,7 +2675,7 @@
           <a:p>
             <a:fld id="{E90BFF4C-4C8D-4F8A-849B-C1E9E01BFBCF}" type="datetime1">
               <a:rPr lang="ru-RU" smtClean="0"/>
-              <a:t>01.06.2017</a:t>
+              <a:t>21.07.2017</a:t>
             </a:fld>
             <a:endParaRPr lang="ru-RU"/>
           </a:p>
@@ -2780,7 +2760,7 @@
     </p:spTree>
     <p:extLst>
       <p:ext uri="{BB962C8B-B14F-4D97-AF65-F5344CB8AC3E}">
-        <p14:creationId xmlns:p14="http://schemas.microsoft.com/office/powerpoint/2010/main" val="954343518"/>
+        <p14:creationId xmlns:p14="http://schemas.microsoft.com/office/powerpoint/2010/main" val="2478483413"/>
       </p:ext>
     </p:extLst>
   </p:cSld>
@@ -2900,7 +2880,7 @@
           <a:p>
             <a:fld id="{0BCC411E-A7D2-451E-A96F-2D4540150FA5}" type="datetime1">
               <a:rPr lang="ru-RU" smtClean="0"/>
-              <a:t>01.06.2017</a:t>
+              <a:t>21.07.2017</a:t>
             </a:fld>
             <a:endParaRPr lang="ru-RU"/>
           </a:p>
@@ -2962,15 +2942,19 @@
       </p:sp>
       <p:pic>
         <p:nvPicPr>
-          <p:cNvPr id="10" name="Рисунок 9"/>
+          <p:cNvPr id="4" name="Рисунок 3"/>
           <p:cNvPicPr>
             <a:picLocks noChangeAspect="1"/>
           </p:cNvPicPr>
           <p:nvPr/>
         </p:nvPicPr>
         <p:blipFill>
-          <a:blip r:embed="rId2">
-            <a:lum bright="70000" contrast="-70000"/>
+          <a:blip r:embed="rId2" cstate="print">
+            <a:extLst>
+              <a:ext uri="{28A0092B-C50C-407E-A947-70E740481C1C}">
+                <a14:useLocalDpi xmlns:a14="http://schemas.microsoft.com/office/drawing/2010/main" val="0"/>
+              </a:ext>
+            </a:extLst>
           </a:blip>
           <a:stretch>
             <a:fillRect/>
@@ -2978,8 +2962,8 @@
         </p:blipFill>
         <p:spPr>
           <a:xfrm>
-            <a:off x="8639175" y="142875"/>
-            <a:ext cx="3413506" cy="3390900"/>
+            <a:off x="9594989" y="0"/>
+            <a:ext cx="2593853" cy="2642621"/>
           </a:xfrm>
           <a:prstGeom prst="rect">
             <a:avLst/>
@@ -2989,7 +2973,7 @@
     </p:spTree>
     <p:extLst>
       <p:ext uri="{BB962C8B-B14F-4D97-AF65-F5344CB8AC3E}">
-        <p14:creationId xmlns:p14="http://schemas.microsoft.com/office/powerpoint/2010/main" val="14752330"/>
+        <p14:creationId xmlns:p14="http://schemas.microsoft.com/office/powerpoint/2010/main" val="3869878668"/>
       </p:ext>
     </p:extLst>
   </p:cSld>
@@ -3284,7 +3268,7 @@
           <a:p>
             <a:fld id="{BE72C8D1-9E14-4F9E-9968-B2DEA4DD8DC0}" type="datetime1">
               <a:rPr lang="ru-RU" smtClean="0"/>
-              <a:t>01.06.2017</a:t>
+              <a:t>21.07.2017</a:t>
             </a:fld>
             <a:endParaRPr lang="ru-RU"/>
           </a:p>
@@ -3360,7 +3344,7 @@
     </p:spTree>
     <p:extLst>
       <p:ext uri="{BB962C8B-B14F-4D97-AF65-F5344CB8AC3E}">
-        <p14:creationId xmlns:p14="http://schemas.microsoft.com/office/powerpoint/2010/main" val="402194526"/>
+        <p14:creationId xmlns:p14="http://schemas.microsoft.com/office/powerpoint/2010/main" val="2502771674"/>
       </p:ext>
     </p:extLst>
   </p:cSld>
@@ -3665,7 +3649,7 @@
           <a:p>
             <a:fld id="{70EB9634-F4A7-43DC-8AF3-717D477BC4F3}" type="datetime1">
               <a:rPr lang="ru-RU" smtClean="0"/>
-              <a:t>01.06.2017</a:t>
+              <a:t>21.07.2017</a:t>
             </a:fld>
             <a:endParaRPr lang="ru-RU"/>
           </a:p>
@@ -3720,7 +3704,7 @@
     </p:spTree>
     <p:extLst>
       <p:ext uri="{BB962C8B-B14F-4D97-AF65-F5344CB8AC3E}">
-        <p14:creationId xmlns:p14="http://schemas.microsoft.com/office/powerpoint/2010/main" val="3669897402"/>
+        <p14:creationId xmlns:p14="http://schemas.microsoft.com/office/powerpoint/2010/main" val="675007299"/>
       </p:ext>
     </p:extLst>
   </p:cSld>
@@ -3752,32 +3736,6 @@
           <a:chExt cx="0" cy="0"/>
         </a:xfrm>
       </p:grpSpPr>
-      <p:pic>
-        <p:nvPicPr>
-          <p:cNvPr id="11" name="Рисунок 10"/>
-          <p:cNvPicPr>
-            <a:picLocks noChangeAspect="1"/>
-          </p:cNvPicPr>
-          <p:nvPr/>
-        </p:nvPicPr>
-        <p:blipFill>
-          <a:blip r:embed="rId14">
-            <a:lum bright="70000" contrast="-70000"/>
-          </a:blip>
-          <a:stretch>
-            <a:fillRect/>
-          </a:stretch>
-        </p:blipFill>
-        <p:spPr>
-          <a:xfrm>
-            <a:off x="10556472" y="54186"/>
-            <a:ext cx="1585303" cy="1574804"/>
-          </a:xfrm>
-          <a:prstGeom prst="rect">
-            <a:avLst/>
-          </a:prstGeom>
-        </p:spPr>
-      </p:pic>
       <p:cxnSp>
         <p:nvCxnSpPr>
           <p:cNvPr id="12" name="Прямая соединительная линия 11"/>
@@ -4012,7 +3970,7 @@
           <a:p>
             <a:fld id="{90DCE2A1-7645-499E-B146-B8CE26655B67}" type="datetime1">
               <a:rPr lang="ru-RU" smtClean="0"/>
-              <a:t>01.06.2017</a:t>
+              <a:t>21.07.2017</a:t>
             </a:fld>
             <a:endParaRPr lang="ru-RU"/>
           </a:p>
@@ -4134,27 +4092,57 @@
           </a:fontRef>
         </p:style>
       </p:cxnSp>
+      <p:pic>
+        <p:nvPicPr>
+          <p:cNvPr id="16" name="Рисунок 15"/>
+          <p:cNvPicPr>
+            <a:picLocks noChangeAspect="1"/>
+          </p:cNvPicPr>
+          <p:nvPr/>
+        </p:nvPicPr>
+        <p:blipFill>
+          <a:blip r:embed="rId14" cstate="print">
+            <a:extLst>
+              <a:ext uri="{28A0092B-C50C-407E-A947-70E740481C1C}">
+                <a14:useLocalDpi xmlns:a14="http://schemas.microsoft.com/office/drawing/2010/main" val="0"/>
+              </a:ext>
+            </a:extLst>
+          </a:blip>
+          <a:stretch>
+            <a:fillRect/>
+          </a:stretch>
+        </p:blipFill>
+        <p:spPr>
+          <a:xfrm>
+            <a:off x="10340064" y="-165977"/>
+            <a:ext cx="2079399" cy="2118495"/>
+          </a:xfrm>
+          <a:prstGeom prst="rect">
+            <a:avLst/>
+          </a:prstGeom>
+        </p:spPr>
+      </p:pic>
     </p:spTree>
     <p:extLst>
       <p:ext uri="{BB962C8B-B14F-4D97-AF65-F5344CB8AC3E}">
-        <p14:creationId xmlns:p14="http://schemas.microsoft.com/office/powerpoint/2010/main" val="655294536"/>
+        <p14:creationId xmlns:p14="http://schemas.microsoft.com/office/powerpoint/2010/main" val="3815586848"/>
       </p:ext>
     </p:extLst>
   </p:cSld>
   <p:clrMap bg1="lt1" tx1="dk1" bg2="lt2" tx2="dk2" accent1="accent1" accent2="accent2" accent3="accent3" accent4="accent4" accent5="accent5" accent6="accent6" hlink="hlink" folHlink="folHlink"/>
   <p:sldLayoutIdLst>
-    <p:sldLayoutId id="2147483674" r:id="rId1"/>
-    <p:sldLayoutId id="2147483675" r:id="rId2"/>
-    <p:sldLayoutId id="2147483676" r:id="rId3"/>
-    <p:sldLayoutId id="2147483677" r:id="rId4"/>
-    <p:sldLayoutId id="2147483678" r:id="rId5"/>
-    <p:sldLayoutId id="2147483679" r:id="rId6"/>
-    <p:sldLayoutId id="2147483680" r:id="rId7"/>
-    <p:sldLayoutId id="2147483681" r:id="rId8"/>
-    <p:sldLayoutId id="2147483682" r:id="rId9"/>
-    <p:sldLayoutId id="2147483683" r:id="rId10"/>
-    <p:sldLayoutId id="2147483684" r:id="rId11"/>
-    <p:sldLayoutId id="2147483685" r:id="rId12"/>
+    <p:sldLayoutId id="2147483687" r:id="rId1"/>
+    <p:sldLayoutId id="2147483688" r:id="rId2"/>
+    <p:sldLayoutId id="2147483689" r:id="rId3"/>
+    <p:sldLayoutId id="2147483690" r:id="rId4"/>
+    <p:sldLayoutId id="2147483691" r:id="rId5"/>
+    <p:sldLayoutId id="2147483692" r:id="rId6"/>
+    <p:sldLayoutId id="2147483693" r:id="rId7"/>
+    <p:sldLayoutId id="2147483694" r:id="rId8"/>
+    <p:sldLayoutId id="2147483695" r:id="rId9"/>
+    <p:sldLayoutId id="2147483696" r:id="rId10"/>
+    <p:sldLayoutId id="2147483697" r:id="rId11"/>
+    <p:sldLayoutId id="2147483698" r:id="rId12"/>
   </p:sldLayoutIdLst>
   <p:hf hdr="0" dt="0"/>
   <p:txStyles>
@@ -10367,7 +10355,7 @@
 </file>
 
 <file path=ppt/theme/theme1.xml><?xml version="1.0" encoding="utf-8"?>
-<a:theme xmlns:a="http://schemas.openxmlformats.org/drawingml/2006/main" name="Тема2">
+<a:theme xmlns:a="http://schemas.openxmlformats.org/drawingml/2006/main" name="Тема1">
   <a:themeElements>
     <a:clrScheme name="Зеленый и желтый">
       <a:dk1>
@@ -10643,7 +10631,7 @@
   <a:extraClrSchemeLst/>
   <a:extLst>
     <a:ext uri="{05A4C25C-085E-4340-85A3-A5531E510DB2}">
-      <thm15:themeFamily xmlns:thm15="http://schemas.microsoft.com/office/thememl/2012/main" name="Тема2" id="{F6853AF9-8BEF-47B7-BFEA-1EB0A7F5E420}" vid="{7B47C7A1-DDBD-44DB-B5FC-9345D842DEB1}"/>
+      <thm15:themeFamily xmlns:thm15="http://schemas.microsoft.com/office/thememl/2012/main" name="Тема1" id="{5BB4979D-64F3-4350-A0FB-77B4AA112ABA}" vid="{9ECF0165-2A38-4AFC-8A84-C27FBD5E703B}"/>
     </a:ext>
   </a:extLst>
 </a:theme>
